--- a/PPT/Crypto-Trading Bot.pptx
+++ b/PPT/Crypto-Trading Bot.pptx
@@ -129,11 +129,34 @@
 <pc:chgInfo xmlns:a="http://schemas.openxmlformats.org/drawingml/2006/main" xmlns:r="http://schemas.openxmlformats.org/officeDocument/2006/relationships" xmlns:ac="http://schemas.microsoft.com/office/drawing/2013/main/command" xmlns:pc="http://schemas.microsoft.com/office/powerpoint/2013/main/command">
   <pc:docChgLst>
     <pc:chgData name="Iñigo Larrea Pombo" userId="357ec2ea0994ad8c" providerId="LiveId" clId="{47D996A6-ED6C-4DCD-A4C6-04856EF9414F}"/>
-    <pc:docChg chg="modSld">
-      <pc:chgData name="Iñigo Larrea Pombo" userId="357ec2ea0994ad8c" providerId="LiveId" clId="{47D996A6-ED6C-4DCD-A4C6-04856EF9414F}" dt="2022-12-15T12:04:31.320" v="13" actId="20577"/>
+    <pc:docChg chg="custSel modSld">
+      <pc:chgData name="Iñigo Larrea Pombo" userId="357ec2ea0994ad8c" providerId="LiveId" clId="{47D996A6-ED6C-4DCD-A4C6-04856EF9414F}" dt="2022-12-15T13:10:45.512" v="62" actId="20577"/>
       <pc:docMkLst>
         <pc:docMk/>
       </pc:docMkLst>
+      <pc:sldChg chg="modSp mod">
+        <pc:chgData name="Iñigo Larrea Pombo" userId="357ec2ea0994ad8c" providerId="LiveId" clId="{47D996A6-ED6C-4DCD-A4C6-04856EF9414F}" dt="2022-12-15T13:10:45.512" v="62" actId="20577"/>
+        <pc:sldMkLst>
+          <pc:docMk/>
+          <pc:sldMk cId="1487700712" sldId="256"/>
+        </pc:sldMkLst>
+        <pc:spChg chg="mod">
+          <ac:chgData name="Iñigo Larrea Pombo" userId="357ec2ea0994ad8c" providerId="LiveId" clId="{47D996A6-ED6C-4DCD-A4C6-04856EF9414F}" dt="2022-12-15T13:10:29.876" v="33" actId="20577"/>
+          <ac:spMkLst>
+            <pc:docMk/>
+            <pc:sldMk cId="1487700712" sldId="256"/>
+            <ac:spMk id="2" creationId="{C02C5318-1A1E-49D0-B2E2-A4B0FA9E8A40}"/>
+          </ac:spMkLst>
+        </pc:spChg>
+        <pc:spChg chg="mod">
+          <ac:chgData name="Iñigo Larrea Pombo" userId="357ec2ea0994ad8c" providerId="LiveId" clId="{47D996A6-ED6C-4DCD-A4C6-04856EF9414F}" dt="2022-12-15T13:10:45.512" v="62" actId="20577"/>
+          <ac:spMkLst>
+            <pc:docMk/>
+            <pc:sldMk cId="1487700712" sldId="256"/>
+            <ac:spMk id="3" creationId="{48B6CF59-4E5B-494D-A2F7-97ADD01E6497}"/>
+          </ac:spMkLst>
+        </pc:spChg>
+      </pc:sldChg>
       <pc:sldChg chg="modSp mod">
         <pc:chgData name="Iñigo Larrea Pombo" userId="357ec2ea0994ad8c" providerId="LiveId" clId="{47D996A6-ED6C-4DCD-A4C6-04856EF9414F}" dt="2022-12-15T12:04:31.320" v="13" actId="20577"/>
         <pc:sldMkLst>
@@ -11581,18 +11604,13 @@
           <a:lstStyle/>
           <a:p>
             <a:r>
-              <a:rPr lang="en-US" sz="6000">
+              <a:rPr lang="en-US" sz="6000" dirty="0">
                 <a:solidFill>
                   <a:schemeClr val="bg1"/>
                 </a:solidFill>
               </a:rPr>
-              <a:t>Tech design</a:t>
+              <a:t>CRYPTO TRADING ROBOT</a:t>
             </a:r>
-            <a:endParaRPr lang="en-US" sz="6000" dirty="0">
-              <a:solidFill>
-                <a:schemeClr val="bg1"/>
-              </a:solidFill>
-            </a:endParaRPr>
           </a:p>
         </p:txBody>
       </p:sp>
@@ -11624,6 +11642,46 @@
           </a:bodyPr>
           <a:lstStyle/>
           <a:p>
+            <a:r>
+              <a:rPr lang="es-ES" dirty="0" err="1">
+                <a:solidFill>
+                  <a:srgbClr val="7CEBFF"/>
+                </a:solidFill>
+              </a:rPr>
+              <a:t>by</a:t>
+            </a:r>
+            <a:r>
+              <a:rPr lang="es-ES" dirty="0">
+                <a:solidFill>
+                  <a:srgbClr val="7CEBFF"/>
+                </a:solidFill>
+              </a:rPr>
+              <a:t> </a:t>
+            </a:r>
+            <a:r>
+              <a:rPr lang="es-ES" dirty="0" err="1">
+                <a:solidFill>
+                  <a:srgbClr val="7CEBFF"/>
+                </a:solidFill>
+              </a:rPr>
+              <a:t>iñigo</a:t>
+            </a:r>
+            <a:r>
+              <a:rPr lang="es-ES" dirty="0">
+                <a:solidFill>
+                  <a:srgbClr val="7CEBFF"/>
+                </a:solidFill>
+              </a:rPr>
+              <a:t> Larrea </a:t>
+            </a:r>
+            <a:r>
+              <a:rPr lang="es-ES" dirty="0" err="1">
+                <a:solidFill>
+                  <a:srgbClr val="7CEBFF"/>
+                </a:solidFill>
+              </a:rPr>
+              <a:t>pombo</a:t>
+            </a:r>
             <a:endParaRPr lang="en-US" dirty="0">
               <a:solidFill>
                 <a:srgbClr val="7CEBFF"/>
